--- a/Slides/Lecture 10.pptx
+++ b/Slides/Lecture 10.pptx
@@ -13491,7 +13491,15 @@
                   <a:srgbClr val="FF0000"/>
                 </a:solidFill>
               </a:rPr>
-              <a:t>[2] M</a:t>
+              <a:t>[2] </a:t>
+            </a:r>
+            <a:r>
+              <a:rPr lang="en-US" sz="2000" i="1" dirty="0">
+                <a:solidFill>
+                  <a:schemeClr val="accent1"/>
+                </a:solidFill>
+              </a:rPr>
+              <a:t>M</a:t>
             </a:r>
             <a:r>
               <a:rPr lang="en-US" sz="2000" b="0" i="1" dirty="0">
@@ -13517,23 +13525,7 @@
                   <a:schemeClr val="accent1"/>
                 </a:solidFill>
               </a:rPr>
-              <a:t>. 2021. MPI in </a:t>
-            </a:r>
-            <a:r>
-              <a:rPr lang="en-US" sz="2000" i="1">
-                <a:solidFill>
-                  <a:schemeClr val="accent1"/>
-                </a:solidFill>
-              </a:rPr>
-              <a:t>Small Bites. </a:t>
-            </a:r>
-            <a:r>
-              <a:rPr lang="en-US" sz="2000" i="1" dirty="0">
-                <a:solidFill>
-                  <a:schemeClr val="accent1"/>
-                </a:solidFill>
-              </a:rPr>
-              <a:t>PPCES 2021. </a:t>
+              <a:t>. 2021. MPI in Small Bites. PPCES 2021. </a:t>
             </a:r>
             <a:br>
               <a:rPr lang="en-US" sz="1050" dirty="0">

--- a/Slides/Lecture 10.pptx
+++ b/Slides/Lecture 10.pptx
@@ -253,7 +253,7 @@
           <a:p>
             <a:fld id="{DCA81E97-D514-49D8-B754-6BBF283B1A94}" type="datetimeFigureOut">
               <a:rPr lang="en-US" smtClean="0"/>
-              <a:t>4/8/2021</a:t>
+              <a:t>4/29/2021</a:t>
             </a:fld>
             <a:endParaRPr lang="en-US"/>
           </a:p>
@@ -434,7 +434,7 @@
           <a:p>
             <a:fld id="{1CB48AD5-CDAE-4B7B-B49D-6DB81FF5A179}" type="datetimeFigureOut">
               <a:rPr lang="en-US" smtClean="0"/>
-              <a:t>4/8/2021</a:t>
+              <a:t>4/29/2021</a:t>
             </a:fld>
             <a:endParaRPr lang="en-US"/>
           </a:p>
@@ -852,7 +852,7 @@
           <a:p>
             <a:fld id="{C4959B56-7D6D-462F-B061-93C9E323EE8A}" type="datetimeFigureOut">
               <a:rPr lang="en-US" smtClean="0"/>
-              <a:t>4/8/2021</a:t>
+              <a:t>4/29/2021</a:t>
             </a:fld>
             <a:endParaRPr lang="en-US"/>
           </a:p>
@@ -1050,7 +1050,7 @@
           <a:p>
             <a:fld id="{C4959B56-7D6D-462F-B061-93C9E323EE8A}" type="datetimeFigureOut">
               <a:rPr lang="en-US" smtClean="0"/>
-              <a:t>4/8/2021</a:t>
+              <a:t>4/29/2021</a:t>
             </a:fld>
             <a:endParaRPr lang="en-US"/>
           </a:p>
@@ -1258,7 +1258,7 @@
           <a:p>
             <a:fld id="{C4959B56-7D6D-462F-B061-93C9E323EE8A}" type="datetimeFigureOut">
               <a:rPr lang="en-US" smtClean="0"/>
-              <a:t>4/8/2021</a:t>
+              <a:t>4/29/2021</a:t>
             </a:fld>
             <a:endParaRPr lang="en-US"/>
           </a:p>
@@ -1456,7 +1456,7 @@
           <a:p>
             <a:fld id="{C4959B56-7D6D-462F-B061-93C9E323EE8A}" type="datetimeFigureOut">
               <a:rPr lang="en-US" smtClean="0"/>
-              <a:t>4/8/2021</a:t>
+              <a:t>4/29/2021</a:t>
             </a:fld>
             <a:endParaRPr lang="en-US"/>
           </a:p>
@@ -1731,7 +1731,7 @@
           <a:p>
             <a:fld id="{C4959B56-7D6D-462F-B061-93C9E323EE8A}" type="datetimeFigureOut">
               <a:rPr lang="en-US" smtClean="0"/>
-              <a:t>4/8/2021</a:t>
+              <a:t>4/29/2021</a:t>
             </a:fld>
             <a:endParaRPr lang="en-US"/>
           </a:p>
@@ -1996,7 +1996,7 @@
           <a:p>
             <a:fld id="{C4959B56-7D6D-462F-B061-93C9E323EE8A}" type="datetimeFigureOut">
               <a:rPr lang="en-US" smtClean="0"/>
-              <a:t>4/8/2021</a:t>
+              <a:t>4/29/2021</a:t>
             </a:fld>
             <a:endParaRPr lang="en-US"/>
           </a:p>
@@ -2408,7 +2408,7 @@
           <a:p>
             <a:fld id="{C4959B56-7D6D-462F-B061-93C9E323EE8A}" type="datetimeFigureOut">
               <a:rPr lang="en-US" smtClean="0"/>
-              <a:t>4/8/2021</a:t>
+              <a:t>4/29/2021</a:t>
             </a:fld>
             <a:endParaRPr lang="en-US"/>
           </a:p>
@@ -2549,7 +2549,7 @@
           <a:p>
             <a:fld id="{C4959B56-7D6D-462F-B061-93C9E323EE8A}" type="datetimeFigureOut">
               <a:rPr lang="en-US" smtClean="0"/>
-              <a:t>4/8/2021</a:t>
+              <a:t>4/29/2021</a:t>
             </a:fld>
             <a:endParaRPr lang="en-US"/>
           </a:p>
@@ -2662,7 +2662,7 @@
           <a:p>
             <a:fld id="{C4959B56-7D6D-462F-B061-93C9E323EE8A}" type="datetimeFigureOut">
               <a:rPr lang="en-US" smtClean="0"/>
-              <a:t>4/8/2021</a:t>
+              <a:t>4/29/2021</a:t>
             </a:fld>
             <a:endParaRPr lang="en-US"/>
           </a:p>
@@ -2973,7 +2973,7 @@
           <a:p>
             <a:fld id="{C4959B56-7D6D-462F-B061-93C9E323EE8A}" type="datetimeFigureOut">
               <a:rPr lang="en-US" smtClean="0"/>
-              <a:t>4/8/2021</a:t>
+              <a:t>4/29/2021</a:t>
             </a:fld>
             <a:endParaRPr lang="en-US"/>
           </a:p>
@@ -3261,7 +3261,7 @@
           <a:p>
             <a:fld id="{C4959B56-7D6D-462F-B061-93C9E323EE8A}" type="datetimeFigureOut">
               <a:rPr lang="en-US" smtClean="0"/>
-              <a:t>4/8/2021</a:t>
+              <a:t>4/29/2021</a:t>
             </a:fld>
             <a:endParaRPr lang="en-US"/>
           </a:p>
@@ -3502,7 +3502,7 @@
           <a:p>
             <a:fld id="{C4959B56-7D6D-462F-B061-93C9E323EE8A}" type="datetimeFigureOut">
               <a:rPr lang="en-US" smtClean="0"/>
-              <a:t>4/8/2021</a:t>
+              <a:t>4/29/2021</a:t>
             </a:fld>
             <a:endParaRPr lang="en-US"/>
           </a:p>
@@ -9352,14 +9352,14 @@
           <p:nvPr>
             <p:extLst>
               <p:ext uri="{D42A27DB-BD31-4B8C-83A1-F6EECF244321}">
-                <p14:modId xmlns:p14="http://schemas.microsoft.com/office/powerpoint/2010/main" val="2656924899"/>
+                <p14:modId xmlns:p14="http://schemas.microsoft.com/office/powerpoint/2010/main" val="2429875666"/>
               </p:ext>
             </p:extLst>
           </p:nvPr>
         </p:nvGraphicFramePr>
         <p:xfrm>
           <a:off x="927100" y="3697605"/>
-          <a:ext cx="7359650" cy="2678952"/>
+          <a:ext cx="7359650" cy="2973044"/>
         </p:xfrm>
         <a:graphic>
           <a:graphicData uri="http://schemas.openxmlformats.org/drawingml/2006/table">
@@ -9424,6 +9424,39 @@
                     <a:p>
                       <a:r>
                         <a:rPr lang="en-US" sz="1200" dirty="0"/>
+                        <a:t>MPI data type</a:t>
+                      </a:r>
+                    </a:p>
+                  </a:txBody>
+                  <a:tcPr/>
+                </a:tc>
+                <a:tc>
+                  <a:txBody>
+                    <a:bodyPr/>
+                    <a:lstStyle/>
+                    <a:p>
+                      <a:r>
+                        <a:rPr lang="en-US" sz="1200" dirty="0"/>
+                        <a:t>C native data type</a:t>
+                      </a:r>
+                    </a:p>
+                  </a:txBody>
+                  <a:tcPr/>
+                </a:tc>
+                <a:extLst>
+                  <a:ext uri="{0D108BD9-81ED-4DB2-BD59-A6C34878D82A}">
+                    <a16:rowId xmlns:a16="http://schemas.microsoft.com/office/drawing/2014/main" val="1450382508"/>
+                  </a:ext>
+                </a:extLst>
+              </a:tr>
+              <a:tr h="294092">
+                <a:tc>
+                  <a:txBody>
+                    <a:bodyPr/>
+                    <a:lstStyle/>
+                    <a:p>
+                      <a:r>
+                        <a:rPr lang="en-US" sz="1200" dirty="0"/>
                         <a:t>MPI_CHAR</a:t>
                       </a:r>
                     </a:p>
@@ -9445,7 +9478,7 @@
                 </a:tc>
                 <a:extLst>
                   <a:ext uri="{0D108BD9-81ED-4DB2-BD59-A6C34878D82A}">
-                    <a16:rowId xmlns:a16="http://schemas.microsoft.com/office/drawing/2014/main" val="1450382508"/>
+                    <a16:rowId xmlns:a16="http://schemas.microsoft.com/office/drawing/2014/main" val="2627089165"/>
                   </a:ext>
                 </a:extLst>
               </a:tr>
@@ -9740,9 +9773,9 @@
           <p:nvPr/>
         </p:nvCxnSpPr>
         <p:spPr>
-          <a:xfrm flipH="1" flipV="1">
-            <a:off x="1798320" y="6176963"/>
-            <a:ext cx="3150870" cy="211932"/>
+          <a:xfrm flipH="1">
+            <a:off x="1781175" y="6388895"/>
+            <a:ext cx="3168015" cy="0"/>
           </a:xfrm>
           <a:prstGeom prst="straightConnector1">
             <a:avLst/>
